--- a/Phase 2/Phase 2 Presentation.pptx
+++ b/Phase 2/Phase 2 Presentation.pptx
@@ -27,18 +27,6 @@
     <p:sldId id="277" r:id="rId21"/>
     <p:sldId id="278" r:id="rId22"/>
     <p:sldId id="279" r:id="rId23"/>
-    <p:sldId id="258" r:id="rId24"/>
-    <p:sldId id="259" r:id="rId25"/>
-    <p:sldId id="260" r:id="rId26"/>
-    <p:sldId id="261" r:id="rId27"/>
-    <p:sldId id="262" r:id="rId28"/>
-    <p:sldId id="263" r:id="rId29"/>
-    <p:sldId id="264" r:id="rId30"/>
-    <p:sldId id="265" r:id="rId31"/>
-    <p:sldId id="266" r:id="rId32"/>
-    <p:sldId id="267" r:id="rId33"/>
-    <p:sldId id="268" r:id="rId34"/>
-    <p:sldId id="269" r:id="rId35"/>
   </p:sldIdLst>
   <p:sldSz cx="12192000" cy="6858000"/>
   <p:notesSz cx="6858000" cy="9144000"/>
@@ -792,7 +780,7 @@
             <a:fld id="{1E700B27-DE4C-4B9E-BB11-B9027034A00F}" type="datetimeFigureOut">
               <a:rPr lang="en-US" dirty="0"/>
               <a:pPr/>
-              <a:t>10/18/2016</a:t>
+              <a:t>10/24/2016</a:t>
             </a:fld>
             <a:endParaRPr lang="en-US" dirty="0"/>
           </a:p>
@@ -1912,7 +1900,7 @@
           <a:p>
             <a:fld id="{C40F4739-9812-4A9F-890D-2AD6BA5F6EE8}" type="datetimeFigureOut">
               <a:rPr lang="en-US" dirty="0"/>
-              <a:t>10/18/2016</a:t>
+              <a:t>10/24/2016</a:t>
             </a:fld>
             <a:endParaRPr lang="en-US" dirty="0"/>
           </a:p>
@@ -2923,7 +2911,7 @@
           <a:p>
             <a:fld id="{18845AC5-A3F8-44AA-BA8F-596CDCC976D3}" type="datetimeFigureOut">
               <a:rPr lang="en-US" dirty="0"/>
-              <a:t>10/18/2016</a:t>
+              <a:t>10/24/2016</a:t>
             </a:fld>
             <a:endParaRPr lang="en-US" dirty="0"/>
           </a:p>
@@ -4093,7 +4081,7 @@
           <a:p>
             <a:fld id="{C873B183-A821-4095-A363-9EC968635539}" type="datetimeFigureOut">
               <a:rPr lang="en-US" dirty="0"/>
-              <a:t>10/18/2016</a:t>
+              <a:t>10/24/2016</a:t>
             </a:fld>
             <a:endParaRPr lang="en-US" dirty="0"/>
           </a:p>
@@ -5154,7 +5142,7 @@
           <a:p>
             <a:fld id="{174D01B4-0AA5-45E6-B2E6-5FA4078AEBCF}" type="datetimeFigureOut">
               <a:rPr lang="en-US" dirty="0"/>
-              <a:t>10/18/2016</a:t>
+              <a:t>10/24/2016</a:t>
             </a:fld>
             <a:endParaRPr lang="en-US" dirty="0"/>
           </a:p>
@@ -5800,7 +5788,7 @@
           <a:p>
             <a:fld id="{4147335C-0450-40D7-8612-B3203BED4F28}" type="datetimeFigureOut">
               <a:rPr lang="en-US" dirty="0"/>
-              <a:t>10/18/2016</a:t>
+              <a:t>10/24/2016</a:t>
             </a:fld>
             <a:endParaRPr lang="en-US" dirty="0"/>
           </a:p>
@@ -6647,7 +6635,7 @@
           <a:p>
             <a:fld id="{D246A105-2A1C-4284-B4EA-07CF89B1A393}" type="datetimeFigureOut">
               <a:rPr lang="en-US" dirty="0"/>
-              <a:t>10/18/2016</a:t>
+              <a:t>10/24/2016</a:t>
             </a:fld>
             <a:endParaRPr lang="en-US" dirty="0"/>
           </a:p>
@@ -6822,7 +6810,7 @@
           <a:p>
             <a:fld id="{80DBE609-F3F2-45E6-BD6A-E03A8C86C1AE}" type="datetimeFigureOut">
               <a:rPr lang="en-US" dirty="0"/>
-              <a:t>10/18/2016</a:t>
+              <a:t>10/24/2016</a:t>
             </a:fld>
             <a:endParaRPr lang="en-US" dirty="0"/>
           </a:p>
@@ -7820,7 +7808,7 @@
           <a:p>
             <a:fld id="{7A24AD68-089C-4467-A8F3-EA2BBCA6B44E}" type="datetimeFigureOut">
               <a:rPr lang="en-US" dirty="0"/>
-              <a:t>10/18/2016</a:t>
+              <a:t>10/24/2016</a:t>
             </a:fld>
             <a:endParaRPr lang="en-US" dirty="0"/>
           </a:p>
@@ -8026,7 +8014,7 @@
           <a:p>
             <a:fld id="{75C51FCE-E4BB-4680-8E50-3C0E348D2609}" type="datetimeFigureOut">
               <a:rPr lang="en-US" dirty="0"/>
-              <a:t>10/18/2016</a:t>
+              <a:t>10/24/2016</a:t>
             </a:fld>
             <a:endParaRPr lang="en-US" dirty="0"/>
           </a:p>
@@ -9088,7 +9076,7 @@
           <a:p>
             <a:fld id="{8AAA073D-A903-47F8-8D16-77642FB0DF1F}" type="datetimeFigureOut">
               <a:rPr lang="en-US" dirty="0"/>
-              <a:t>10/18/2016</a:t>
+              <a:t>10/24/2016</a:t>
             </a:fld>
             <a:endParaRPr lang="en-US" dirty="0"/>
           </a:p>
@@ -9360,7 +9348,7 @@
           <a:p>
             <a:fld id="{AB91FA40-626B-4CA1-85D0-7A9016E395BA}" type="datetimeFigureOut">
               <a:rPr lang="en-US" dirty="0"/>
-              <a:t>10/18/2016</a:t>
+              <a:t>10/24/2016</a:t>
             </a:fld>
             <a:endParaRPr lang="en-US" dirty="0"/>
           </a:p>
@@ -9742,7 +9730,7 @@
           <a:p>
             <a:fld id="{C3F425EA-B9DC-48A7-991E-9A82573B1B21}" type="datetimeFigureOut">
               <a:rPr lang="en-US" dirty="0"/>
-              <a:t>10/18/2016</a:t>
+              <a:t>10/24/2016</a:t>
             </a:fld>
             <a:endParaRPr lang="en-US" dirty="0"/>
           </a:p>
@@ -9860,7 +9848,7 @@
           <a:p>
             <a:fld id="{66CB97F8-6CEB-469B-AFCC-889F2A2B1D5A}" type="datetimeFigureOut">
               <a:rPr lang="en-US" dirty="0"/>
-              <a:t>10/18/2016</a:t>
+              <a:t>10/24/2016</a:t>
             </a:fld>
             <a:endParaRPr lang="en-US" dirty="0"/>
           </a:p>
@@ -9955,7 +9943,7 @@
           <a:p>
             <a:fld id="{8FA9179F-009E-4FA5-B091-7EBB82A185BD}" type="datetimeFigureOut">
               <a:rPr lang="en-US" dirty="0"/>
-              <a:t>10/18/2016</a:t>
+              <a:t>10/24/2016</a:t>
             </a:fld>
             <a:endParaRPr lang="en-US" dirty="0"/>
           </a:p>
@@ -11064,7 +11052,7 @@
           <a:p>
             <a:fld id="{8E665CEB-0076-4E37-B880-BCEA9784DE0A}" type="datetimeFigureOut">
               <a:rPr lang="en-US" dirty="0"/>
-              <a:t>10/18/2016</a:t>
+              <a:t>10/24/2016</a:t>
             </a:fld>
             <a:endParaRPr lang="en-US" dirty="0"/>
           </a:p>
@@ -12197,7 +12185,7 @@
           <a:p>
             <a:fld id="{A6149E5E-3896-4118-99A7-7B85668F1C5E}" type="datetimeFigureOut">
               <a:rPr lang="en-US" dirty="0"/>
-              <a:t>10/18/2016</a:t>
+              <a:t>10/24/2016</a:t>
             </a:fld>
             <a:endParaRPr lang="en-US" dirty="0"/>
           </a:p>
@@ -13225,7 +13213,7 @@
           <a:p>
             <a:fld id="{7E0D914D-B099-4142-A885-11F276715148}" type="datetimeFigureOut">
               <a:rPr lang="en-US" dirty="0"/>
-              <a:t>10/18/2016</a:t>
+              <a:t>10/24/2016</a:t>
             </a:fld>
             <a:endParaRPr lang="en-US" dirty="0"/>
           </a:p>
@@ -17802,7 +17790,16 @@
           <a:bodyPr/>
           <a:lstStyle/>
           <a:p>
-            <a:endParaRPr lang="en-US"/>
+            <a:r>
+              <a:rPr lang="en-US" dirty="0"/>
+              <a:t>Security Concerns</a:t>
+            </a:r>
+          </a:p>
+          <a:p>
+            <a:r>
+              <a:rPr lang="en-US" dirty="0"/>
+              <a:t>Functionality Bloat</a:t>
+            </a:r>
           </a:p>
         </p:txBody>
       </p:sp>
@@ -18167,1110 +18164,6 @@
 </p:sld>
 </file>
 
-<file path=ppt/slides/slide23.xml><?xml version="1.0" encoding="utf-8"?>
-<p:sld xmlns:a="http://schemas.openxmlformats.org/drawingml/2006/main" xmlns:r="http://schemas.openxmlformats.org/officeDocument/2006/relationships" xmlns:p="http://schemas.openxmlformats.org/presentationml/2006/main">
-  <p:cSld>
-    <p:spTree>
-      <p:nvGrpSpPr>
-        <p:cNvPr id="1" name=""/>
-        <p:cNvGrpSpPr/>
-        <p:nvPr/>
-      </p:nvGrpSpPr>
-      <p:grpSpPr>
-        <a:xfrm>
-          <a:off x="0" y="0"/>
-          <a:ext cx="0" cy="0"/>
-          <a:chOff x="0" y="0"/>
-          <a:chExt cx="0" cy="0"/>
-        </a:xfrm>
-      </p:grpSpPr>
-      <p:sp>
-        <p:nvSpPr>
-          <p:cNvPr id="2" name="Title 1"/>
-          <p:cNvSpPr>
-            <a:spLocks noGrp="1"/>
-          </p:cNvSpPr>
-          <p:nvPr>
-            <p:ph type="title"/>
-          </p:nvPr>
-        </p:nvSpPr>
-        <p:spPr/>
-        <p:txBody>
-          <a:bodyPr/>
-          <a:lstStyle/>
-          <a:p>
-            <a:r>
-              <a:rPr lang="en-US" dirty="0"/>
-              <a:t>Project Overview</a:t>
-            </a:r>
-          </a:p>
-        </p:txBody>
-      </p:sp>
-      <p:sp>
-        <p:nvSpPr>
-          <p:cNvPr id="3" name="Content Placeholder 2"/>
-          <p:cNvSpPr>
-            <a:spLocks noGrp="1"/>
-          </p:cNvSpPr>
-          <p:nvPr>
-            <p:ph idx="1"/>
-          </p:nvPr>
-        </p:nvSpPr>
-        <p:spPr>
-          <a:xfrm>
-            <a:off x="1154955" y="2603500"/>
-            <a:ext cx="6239758" cy="3416300"/>
-          </a:xfrm>
-        </p:spPr>
-        <p:txBody>
-          <a:bodyPr/>
-          <a:lstStyle/>
-          <a:p>
-            <a:r>
-              <a:rPr lang="en-US" dirty="0"/>
-              <a:t>Track &amp; Field Meet Server</a:t>
-            </a:r>
-          </a:p>
-          <a:p>
-            <a:pPr lvl="1"/>
-            <a:r>
-              <a:rPr lang="en-US" dirty="0"/>
-              <a:t>Capability to support function of hosting a Track Meet</a:t>
-            </a:r>
-          </a:p>
-          <a:p>
-            <a:pPr lvl="1"/>
-            <a:r>
-              <a:rPr lang="en-US" dirty="0"/>
-              <a:t>Repository for all meet data</a:t>
-            </a:r>
-          </a:p>
-          <a:p>
-            <a:pPr lvl="1"/>
-            <a:r>
-              <a:rPr lang="en-US" dirty="0"/>
-              <a:t>API to add, manipulate, and view data</a:t>
-            </a:r>
-          </a:p>
-          <a:p>
-            <a:pPr lvl="1"/>
-            <a:r>
-              <a:rPr lang="en-US" dirty="0"/>
-              <a:t>Unique user classifications</a:t>
-            </a:r>
-          </a:p>
-          <a:p>
-            <a:pPr lvl="1"/>
-            <a:r>
-              <a:rPr lang="en-US" dirty="0"/>
-              <a:t>Supports authentication and encryption to prevent tampering of data</a:t>
-            </a:r>
-          </a:p>
-          <a:p>
-            <a:pPr marL="914400" lvl="2" indent="0">
-              <a:buNone/>
-            </a:pPr>
-            <a:endParaRPr lang="en-US" dirty="0"/>
-          </a:p>
-          <a:p>
-            <a:endParaRPr lang="en-US" dirty="0"/>
-          </a:p>
-        </p:txBody>
-      </p:sp>
-      <p:pic>
-        <p:nvPicPr>
-          <p:cNvPr id="4" name="Picture 3"/>
-          <p:cNvPicPr/>
-          <p:nvPr/>
-        </p:nvPicPr>
-        <p:blipFill>
-          <a:blip r:embed="rId2" cstate="print">
-            <a:extLst>
-              <a:ext uri="{28A0092B-C50C-407E-A947-70E740481C1C}">
-                <a14:useLocalDpi xmlns:a14="http://schemas.microsoft.com/office/drawing/2010/main" val="0"/>
-              </a:ext>
-            </a:extLst>
-          </a:blip>
-          <a:srcRect/>
-          <a:stretch>
-            <a:fillRect/>
-          </a:stretch>
-        </p:blipFill>
-        <p:spPr bwMode="auto">
-          <a:xfrm>
-            <a:off x="7506347" y="2800032"/>
-            <a:ext cx="4231640" cy="3023235"/>
-          </a:xfrm>
-          <a:prstGeom prst="rect">
-            <a:avLst/>
-          </a:prstGeom>
-          <a:noFill/>
-        </p:spPr>
-      </p:pic>
-    </p:spTree>
-    <p:extLst>
-      <p:ext uri="{BB962C8B-B14F-4D97-AF65-F5344CB8AC3E}">
-        <p14:creationId xmlns:p14="http://schemas.microsoft.com/office/powerpoint/2010/main" val="1119484830"/>
-      </p:ext>
-    </p:extLst>
-  </p:cSld>
-  <p:clrMapOvr>
-    <a:masterClrMapping/>
-  </p:clrMapOvr>
-</p:sld>
-</file>
-
-<file path=ppt/slides/slide24.xml><?xml version="1.0" encoding="utf-8"?>
-<p:sld xmlns:a="http://schemas.openxmlformats.org/drawingml/2006/main" xmlns:r="http://schemas.openxmlformats.org/officeDocument/2006/relationships" xmlns:p="http://schemas.openxmlformats.org/presentationml/2006/main">
-  <p:cSld>
-    <p:spTree>
-      <p:nvGrpSpPr>
-        <p:cNvPr id="1" name=""/>
-        <p:cNvGrpSpPr/>
-        <p:nvPr/>
-      </p:nvGrpSpPr>
-      <p:grpSpPr>
-        <a:xfrm>
-          <a:off x="0" y="0"/>
-          <a:ext cx="0" cy="0"/>
-          <a:chOff x="0" y="0"/>
-          <a:chExt cx="0" cy="0"/>
-        </a:xfrm>
-      </p:grpSpPr>
-      <p:sp>
-        <p:nvSpPr>
-          <p:cNvPr id="2" name="Title 1"/>
-          <p:cNvSpPr>
-            <a:spLocks noGrp="1"/>
-          </p:cNvSpPr>
-          <p:nvPr>
-            <p:ph type="title"/>
-          </p:nvPr>
-        </p:nvSpPr>
-        <p:spPr/>
-        <p:txBody>
-          <a:bodyPr/>
-          <a:lstStyle/>
-          <a:p>
-            <a:r>
-              <a:rPr lang="en-US" dirty="0"/>
-              <a:t>Project Overview</a:t>
-            </a:r>
-          </a:p>
-        </p:txBody>
-      </p:sp>
-      <p:sp>
-        <p:nvSpPr>
-          <p:cNvPr id="3" name="Content Placeholder 2"/>
-          <p:cNvSpPr>
-            <a:spLocks noGrp="1"/>
-          </p:cNvSpPr>
-          <p:nvPr>
-            <p:ph idx="1"/>
-          </p:nvPr>
-        </p:nvSpPr>
-        <p:spPr>
-          <a:xfrm>
-            <a:off x="1154955" y="2603499"/>
-            <a:ext cx="8761412" cy="3964277"/>
-          </a:xfrm>
-        </p:spPr>
-        <p:txBody>
-          <a:bodyPr>
-            <a:normAutofit lnSpcReduction="10000"/>
-          </a:bodyPr>
-          <a:lstStyle/>
-          <a:p>
-            <a:r>
-              <a:rPr lang="en-US" dirty="0"/>
-              <a:t>Goals</a:t>
-            </a:r>
-          </a:p>
-          <a:p>
-            <a:pPr lvl="1"/>
-            <a:r>
-              <a:rPr lang="en-US" dirty="0"/>
-              <a:t>Create a fully functional server that supports clients of different user classifications</a:t>
-            </a:r>
-          </a:p>
-          <a:p>
-            <a:pPr lvl="1"/>
-            <a:r>
-              <a:rPr lang="en-US" dirty="0"/>
-              <a:t>Create a rich API that gives developers the ability to create functional client applications</a:t>
-            </a:r>
-          </a:p>
-          <a:p>
-            <a:pPr lvl="1"/>
-            <a:r>
-              <a:rPr lang="en-US" dirty="0"/>
-              <a:t>Create a system that is safe from malicious attackers, attempting to manipulate meet results</a:t>
-            </a:r>
-          </a:p>
-          <a:p>
-            <a:pPr lvl="1"/>
-            <a:endParaRPr lang="en-US" dirty="0"/>
-          </a:p>
-          <a:p>
-            <a:r>
-              <a:rPr lang="en-US" dirty="0"/>
-              <a:t>Motivation</a:t>
-            </a:r>
-          </a:p>
-          <a:p>
-            <a:pPr lvl="1"/>
-            <a:r>
-              <a:rPr lang="en-US" dirty="0"/>
-              <a:t>Leverage today’s technology to increase the efficiency of track meets</a:t>
-            </a:r>
-          </a:p>
-          <a:p>
-            <a:pPr lvl="1"/>
-            <a:r>
-              <a:rPr lang="en-US" dirty="0"/>
-              <a:t>Provide a framework that can be built on to advance the future conduct of track meets </a:t>
-            </a:r>
-          </a:p>
-        </p:txBody>
-      </p:sp>
-    </p:spTree>
-    <p:extLst>
-      <p:ext uri="{BB962C8B-B14F-4D97-AF65-F5344CB8AC3E}">
-        <p14:creationId xmlns:p14="http://schemas.microsoft.com/office/powerpoint/2010/main" val="3677505570"/>
-      </p:ext>
-    </p:extLst>
-  </p:cSld>
-  <p:clrMapOvr>
-    <a:masterClrMapping/>
-  </p:clrMapOvr>
-</p:sld>
-</file>
-
-<file path=ppt/slides/slide25.xml><?xml version="1.0" encoding="utf-8"?>
-<p:sld xmlns:a="http://schemas.openxmlformats.org/drawingml/2006/main" xmlns:r="http://schemas.openxmlformats.org/officeDocument/2006/relationships" xmlns:p="http://schemas.openxmlformats.org/presentationml/2006/main">
-  <p:cSld>
-    <p:spTree>
-      <p:nvGrpSpPr>
-        <p:cNvPr id="1" name=""/>
-        <p:cNvGrpSpPr/>
-        <p:nvPr/>
-      </p:nvGrpSpPr>
-      <p:grpSpPr>
-        <a:xfrm>
-          <a:off x="0" y="0"/>
-          <a:ext cx="0" cy="0"/>
-          <a:chOff x="0" y="0"/>
-          <a:chExt cx="0" cy="0"/>
-        </a:xfrm>
-      </p:grpSpPr>
-      <p:sp>
-        <p:nvSpPr>
-          <p:cNvPr id="2" name="Title 1"/>
-          <p:cNvSpPr>
-            <a:spLocks noGrp="1"/>
-          </p:cNvSpPr>
-          <p:nvPr>
-            <p:ph type="title"/>
-          </p:nvPr>
-        </p:nvSpPr>
-        <p:spPr/>
-        <p:txBody>
-          <a:bodyPr/>
-          <a:lstStyle/>
-          <a:p>
-            <a:r>
-              <a:rPr lang="en-US" dirty="0"/>
-              <a:t>Project Overview</a:t>
-            </a:r>
-          </a:p>
-        </p:txBody>
-      </p:sp>
-      <p:pic>
-        <p:nvPicPr>
-          <p:cNvPr id="4" name="Picture 3"/>
-          <p:cNvPicPr/>
-          <p:nvPr/>
-        </p:nvPicPr>
-        <p:blipFill>
-          <a:blip r:embed="rId2" cstate="print">
-            <a:extLst>
-              <a:ext uri="{28A0092B-C50C-407E-A947-70E740481C1C}">
-                <a14:useLocalDpi xmlns:a14="http://schemas.microsoft.com/office/drawing/2010/main" val="0"/>
-              </a:ext>
-            </a:extLst>
-          </a:blip>
-          <a:srcRect/>
-          <a:stretch>
-            <a:fillRect/>
-          </a:stretch>
-        </p:blipFill>
-        <p:spPr bwMode="auto">
-          <a:xfrm>
-            <a:off x="3788116" y="2669204"/>
-            <a:ext cx="5125296" cy="3943110"/>
-          </a:xfrm>
-          <a:prstGeom prst="rect">
-            <a:avLst/>
-          </a:prstGeom>
-          <a:noFill/>
-        </p:spPr>
-      </p:pic>
-    </p:spTree>
-    <p:extLst>
-      <p:ext uri="{BB962C8B-B14F-4D97-AF65-F5344CB8AC3E}">
-        <p14:creationId xmlns:p14="http://schemas.microsoft.com/office/powerpoint/2010/main" val="319481275"/>
-      </p:ext>
-    </p:extLst>
-  </p:cSld>
-  <p:clrMapOvr>
-    <a:masterClrMapping/>
-  </p:clrMapOvr>
-</p:sld>
-</file>
-
-<file path=ppt/slides/slide26.xml><?xml version="1.0" encoding="utf-8"?>
-<p:sld xmlns:a="http://schemas.openxmlformats.org/drawingml/2006/main" xmlns:r="http://schemas.openxmlformats.org/officeDocument/2006/relationships" xmlns:p="http://schemas.openxmlformats.org/presentationml/2006/main">
-  <p:cSld>
-    <p:spTree>
-      <p:nvGrpSpPr>
-        <p:cNvPr id="1" name=""/>
-        <p:cNvGrpSpPr/>
-        <p:nvPr/>
-      </p:nvGrpSpPr>
-      <p:grpSpPr>
-        <a:xfrm>
-          <a:off x="0" y="0"/>
-          <a:ext cx="0" cy="0"/>
-          <a:chOff x="0" y="0"/>
-          <a:chExt cx="0" cy="0"/>
-        </a:xfrm>
-      </p:grpSpPr>
-      <p:sp>
-        <p:nvSpPr>
-          <p:cNvPr id="2" name="Title 1"/>
-          <p:cNvSpPr>
-            <a:spLocks noGrp="1"/>
-          </p:cNvSpPr>
-          <p:nvPr>
-            <p:ph type="title"/>
-          </p:nvPr>
-        </p:nvSpPr>
-        <p:spPr/>
-        <p:txBody>
-          <a:bodyPr/>
-          <a:lstStyle/>
-          <a:p>
-            <a:r>
-              <a:rPr lang="en-US" dirty="0"/>
-              <a:t>Project Requirements</a:t>
-            </a:r>
-          </a:p>
-        </p:txBody>
-      </p:sp>
-      <p:pic>
-        <p:nvPicPr>
-          <p:cNvPr id="4" name="Content Placeholder 3"/>
-          <p:cNvPicPr>
-            <a:picLocks noGrp="1"/>
-          </p:cNvPicPr>
-          <p:nvPr>
-            <p:ph idx="1"/>
-          </p:nvPr>
-        </p:nvPicPr>
-        <p:blipFill>
-          <a:blip r:embed="rId2"/>
-          <a:stretch>
-            <a:fillRect/>
-          </a:stretch>
-        </p:blipFill>
-        <p:spPr>
-          <a:xfrm>
-            <a:off x="2753951" y="2419483"/>
-            <a:ext cx="5690334" cy="4378881"/>
-          </a:xfrm>
-          <a:prstGeom prst="rect">
-            <a:avLst/>
-          </a:prstGeom>
-        </p:spPr>
-      </p:pic>
-    </p:spTree>
-    <p:extLst>
-      <p:ext uri="{BB962C8B-B14F-4D97-AF65-F5344CB8AC3E}">
-        <p14:creationId xmlns:p14="http://schemas.microsoft.com/office/powerpoint/2010/main" val="1316732116"/>
-      </p:ext>
-    </p:extLst>
-  </p:cSld>
-  <p:clrMapOvr>
-    <a:masterClrMapping/>
-  </p:clrMapOvr>
-</p:sld>
-</file>
-
-<file path=ppt/slides/slide27.xml><?xml version="1.0" encoding="utf-8"?>
-<p:sld xmlns:a="http://schemas.openxmlformats.org/drawingml/2006/main" xmlns:r="http://schemas.openxmlformats.org/officeDocument/2006/relationships" xmlns:p="http://schemas.openxmlformats.org/presentationml/2006/main">
-  <p:cSld>
-    <p:spTree>
-      <p:nvGrpSpPr>
-        <p:cNvPr id="1" name=""/>
-        <p:cNvGrpSpPr/>
-        <p:nvPr/>
-      </p:nvGrpSpPr>
-      <p:grpSpPr>
-        <a:xfrm>
-          <a:off x="0" y="0"/>
-          <a:ext cx="0" cy="0"/>
-          <a:chOff x="0" y="0"/>
-          <a:chExt cx="0" cy="0"/>
-        </a:xfrm>
-      </p:grpSpPr>
-      <p:sp>
-        <p:nvSpPr>
-          <p:cNvPr id="2" name="Title 1"/>
-          <p:cNvSpPr>
-            <a:spLocks noGrp="1"/>
-          </p:cNvSpPr>
-          <p:nvPr>
-            <p:ph type="title"/>
-          </p:nvPr>
-        </p:nvSpPr>
-        <p:spPr/>
-        <p:txBody>
-          <a:bodyPr/>
-          <a:lstStyle/>
-          <a:p>
-            <a:r>
-              <a:rPr lang="en-US" dirty="0"/>
-              <a:t>Project Requirements</a:t>
-            </a:r>
-          </a:p>
-        </p:txBody>
-      </p:sp>
-      <p:sp>
-        <p:nvSpPr>
-          <p:cNvPr id="3" name="Content Placeholder 2"/>
-          <p:cNvSpPr>
-            <a:spLocks noGrp="1"/>
-          </p:cNvSpPr>
-          <p:nvPr>
-            <p:ph idx="1"/>
-          </p:nvPr>
-        </p:nvSpPr>
-        <p:spPr>
-          <a:xfrm>
-            <a:off x="652006" y="2401293"/>
-            <a:ext cx="10956897" cy="4214191"/>
-          </a:xfrm>
-        </p:spPr>
-        <p:txBody>
-          <a:bodyPr>
-            <a:normAutofit/>
-          </a:bodyPr>
-          <a:lstStyle/>
-          <a:p>
-            <a:r>
-              <a:rPr lang="en-US" b="1" dirty="0"/>
-              <a:t>SR1.1 </a:t>
-            </a:r>
-            <a:r>
-              <a:rPr lang="en-US" dirty="0"/>
-              <a:t>The system SHALL authenticate users with each interaction they have with the system.</a:t>
-            </a:r>
-          </a:p>
-          <a:p>
-            <a:r>
-              <a:rPr lang="en-US" b="1" dirty="0"/>
-              <a:t>SR2.1 </a:t>
-            </a:r>
-            <a:r>
-              <a:rPr lang="en-US" dirty="0"/>
-              <a:t>The system SHALL receive data requests from concurrent users.</a:t>
-            </a:r>
-          </a:p>
-          <a:p>
-            <a:r>
-              <a:rPr lang="en-US" b="1" dirty="0"/>
-              <a:t>SR3.1 </a:t>
-            </a:r>
-            <a:r>
-              <a:rPr lang="en-US" dirty="0"/>
-              <a:t>The system SHALL interpret user requests based on the API.</a:t>
-            </a:r>
-          </a:p>
-          <a:p>
-            <a:r>
-              <a:rPr lang="en-US" b="1" dirty="0"/>
-              <a:t>SR4.1 </a:t>
-            </a:r>
-            <a:r>
-              <a:rPr lang="en-US" dirty="0"/>
-              <a:t>The system SHALL send response messages to the users.</a:t>
-            </a:r>
-          </a:p>
-          <a:p>
-            <a:r>
-              <a:rPr lang="en-US" b="1" dirty="0"/>
-              <a:t>SR5.1 </a:t>
-            </a:r>
-            <a:r>
-              <a:rPr lang="en-US" dirty="0"/>
-              <a:t>The system SHALL receive data submittals from official and admin users based on the API.</a:t>
-            </a:r>
-          </a:p>
-          <a:p>
-            <a:r>
-              <a:rPr lang="en-US" b="1" dirty="0"/>
-              <a:t>SR6.1 </a:t>
-            </a:r>
-            <a:r>
-              <a:rPr lang="en-US" dirty="0"/>
-              <a:t>The system SHALL put submitted data into the system.</a:t>
-            </a:r>
-          </a:p>
-          <a:p>
-            <a:r>
-              <a:rPr lang="en-US" b="1" dirty="0"/>
-              <a:t>SR7.1 </a:t>
-            </a:r>
-            <a:r>
-              <a:rPr lang="en-US" dirty="0"/>
-              <a:t>The system SHALL add data to the system that is submitted by officials.</a:t>
-            </a:r>
-          </a:p>
-          <a:p>
-            <a:r>
-              <a:rPr lang="en-US" b="1" dirty="0"/>
-              <a:t>SR8.1 </a:t>
-            </a:r>
-            <a:r>
-              <a:rPr lang="en-US" dirty="0"/>
-              <a:t>The system SHALL modify data in the system that is submitted by administrators.</a:t>
-            </a:r>
-          </a:p>
-          <a:p>
-            <a:r>
-              <a:rPr lang="en-US" b="1" dirty="0"/>
-              <a:t>SR9.1 </a:t>
-            </a:r>
-            <a:r>
-              <a:rPr lang="en-US" dirty="0"/>
-              <a:t>The system SHALL store a status that is reported by a participant or official.</a:t>
-            </a:r>
-          </a:p>
-          <a:p>
-            <a:endParaRPr lang="en-US" dirty="0"/>
-          </a:p>
-          <a:p>
-            <a:endParaRPr lang="en-US" dirty="0"/>
-          </a:p>
-          <a:p>
-            <a:endParaRPr lang="en-US" dirty="0"/>
-          </a:p>
-          <a:p>
-            <a:endParaRPr lang="en-US" dirty="0"/>
-          </a:p>
-          <a:p>
-            <a:endParaRPr lang="en-US" dirty="0"/>
-          </a:p>
-        </p:txBody>
-      </p:sp>
-    </p:spTree>
-    <p:extLst>
-      <p:ext uri="{BB962C8B-B14F-4D97-AF65-F5344CB8AC3E}">
-        <p14:creationId xmlns:p14="http://schemas.microsoft.com/office/powerpoint/2010/main" val="1863722291"/>
-      </p:ext>
-    </p:extLst>
-  </p:cSld>
-  <p:clrMapOvr>
-    <a:masterClrMapping/>
-  </p:clrMapOvr>
-</p:sld>
-</file>
-
-<file path=ppt/slides/slide28.xml><?xml version="1.0" encoding="utf-8"?>
-<p:sld xmlns:a="http://schemas.openxmlformats.org/drawingml/2006/main" xmlns:r="http://schemas.openxmlformats.org/officeDocument/2006/relationships" xmlns:p="http://schemas.openxmlformats.org/presentationml/2006/main">
-  <p:cSld>
-    <p:spTree>
-      <p:nvGrpSpPr>
-        <p:cNvPr id="1" name=""/>
-        <p:cNvGrpSpPr/>
-        <p:nvPr/>
-      </p:nvGrpSpPr>
-      <p:grpSpPr>
-        <a:xfrm>
-          <a:off x="0" y="0"/>
-          <a:ext cx="0" cy="0"/>
-          <a:chOff x="0" y="0"/>
-          <a:chExt cx="0" cy="0"/>
-        </a:xfrm>
-      </p:grpSpPr>
-      <p:sp>
-        <p:nvSpPr>
-          <p:cNvPr id="2" name="Title 1"/>
-          <p:cNvSpPr>
-            <a:spLocks noGrp="1"/>
-          </p:cNvSpPr>
-          <p:nvPr>
-            <p:ph type="title"/>
-          </p:nvPr>
-        </p:nvSpPr>
-        <p:spPr/>
-        <p:txBody>
-          <a:bodyPr/>
-          <a:lstStyle/>
-          <a:p>
-            <a:r>
-              <a:rPr lang="en-US" dirty="0"/>
-              <a:t>Project Plan</a:t>
-            </a:r>
-          </a:p>
-        </p:txBody>
-      </p:sp>
-      <p:pic>
-        <p:nvPicPr>
-          <p:cNvPr id="4" name="Picture 3"/>
-          <p:cNvPicPr/>
-          <p:nvPr/>
-        </p:nvPicPr>
-        <p:blipFill>
-          <a:blip r:embed="rId2"/>
-          <a:stretch>
-            <a:fillRect/>
-          </a:stretch>
-        </p:blipFill>
-        <p:spPr>
-          <a:xfrm>
-            <a:off x="482982" y="2314692"/>
-            <a:ext cx="11229289" cy="4356452"/>
-          </a:xfrm>
-          <a:prstGeom prst="rect">
-            <a:avLst/>
-          </a:prstGeom>
-        </p:spPr>
-      </p:pic>
-    </p:spTree>
-    <p:extLst>
-      <p:ext uri="{BB962C8B-B14F-4D97-AF65-F5344CB8AC3E}">
-        <p14:creationId xmlns:p14="http://schemas.microsoft.com/office/powerpoint/2010/main" val="3225327"/>
-      </p:ext>
-    </p:extLst>
-  </p:cSld>
-  <p:clrMapOvr>
-    <a:masterClrMapping/>
-  </p:clrMapOvr>
-</p:sld>
-</file>
-
-<file path=ppt/slides/slide29.xml><?xml version="1.0" encoding="utf-8"?>
-<p:sld xmlns:a="http://schemas.openxmlformats.org/drawingml/2006/main" xmlns:r="http://schemas.openxmlformats.org/officeDocument/2006/relationships" xmlns:p="http://schemas.openxmlformats.org/presentationml/2006/main">
-  <p:cSld>
-    <p:spTree>
-      <p:nvGrpSpPr>
-        <p:cNvPr id="1" name=""/>
-        <p:cNvGrpSpPr/>
-        <p:nvPr/>
-      </p:nvGrpSpPr>
-      <p:grpSpPr>
-        <a:xfrm>
-          <a:off x="0" y="0"/>
-          <a:ext cx="0" cy="0"/>
-          <a:chOff x="0" y="0"/>
-          <a:chExt cx="0" cy="0"/>
-        </a:xfrm>
-      </p:grpSpPr>
-      <p:sp>
-        <p:nvSpPr>
-          <p:cNvPr id="2" name="Title 1"/>
-          <p:cNvSpPr>
-            <a:spLocks noGrp="1"/>
-          </p:cNvSpPr>
-          <p:nvPr>
-            <p:ph type="title"/>
-          </p:nvPr>
-        </p:nvSpPr>
-        <p:spPr/>
-        <p:txBody>
-          <a:bodyPr/>
-          <a:lstStyle/>
-          <a:p>
-            <a:r>
-              <a:rPr lang="en-US" dirty="0"/>
-              <a:t>Cost Estimation</a:t>
-            </a:r>
-          </a:p>
-        </p:txBody>
-      </p:sp>
-      <p:pic>
-        <p:nvPicPr>
-          <p:cNvPr id="4" name="Picture 3"/>
-          <p:cNvPicPr/>
-          <p:nvPr/>
-        </p:nvPicPr>
-        <p:blipFill>
-          <a:blip r:embed="rId2">
-            <a:extLst>
-              <a:ext uri="{28A0092B-C50C-407E-A947-70E740481C1C}">
-                <a14:useLocalDpi xmlns:a14="http://schemas.microsoft.com/office/drawing/2010/main" val="0"/>
-              </a:ext>
-            </a:extLst>
-          </a:blip>
-          <a:srcRect/>
-          <a:stretch>
-            <a:fillRect/>
-          </a:stretch>
-        </p:blipFill>
-        <p:spPr bwMode="auto">
-          <a:xfrm>
-            <a:off x="642257" y="3518704"/>
-            <a:ext cx="5943600" cy="2974340"/>
-          </a:xfrm>
-          <a:prstGeom prst="rect">
-            <a:avLst/>
-          </a:prstGeom>
-          <a:noFill/>
-          <a:ln>
-            <a:noFill/>
-          </a:ln>
-        </p:spPr>
-      </p:pic>
-      <p:pic>
-        <p:nvPicPr>
-          <p:cNvPr id="5" name="Picture 4"/>
-          <p:cNvPicPr/>
-          <p:nvPr/>
-        </p:nvPicPr>
-        <p:blipFill>
-          <a:blip r:embed="rId3">
-            <a:extLst>
-              <a:ext uri="{28A0092B-C50C-407E-A947-70E740481C1C}">
-                <a14:useLocalDpi xmlns:a14="http://schemas.microsoft.com/office/drawing/2010/main" val="0"/>
-              </a:ext>
-            </a:extLst>
-          </a:blip>
-          <a:srcRect/>
-          <a:stretch>
-            <a:fillRect/>
-          </a:stretch>
-        </p:blipFill>
-        <p:spPr bwMode="auto">
-          <a:xfrm>
-            <a:off x="6763626" y="3518704"/>
-            <a:ext cx="2157738" cy="2974340"/>
-          </a:xfrm>
-          <a:prstGeom prst="rect">
-            <a:avLst/>
-          </a:prstGeom>
-          <a:noFill/>
-          <a:ln>
-            <a:noFill/>
-          </a:ln>
-        </p:spPr>
-      </p:pic>
-      <mc:AlternateContent xmlns:mc="http://schemas.openxmlformats.org/markup-compatibility/2006" xmlns:a14="http://schemas.microsoft.com/office/drawing/2010/main">
-        <mc:Choice Requires="a14">
-          <p:sp>
-            <p:nvSpPr>
-              <p:cNvPr id="6" name="Rectangle 5"/>
-              <p:cNvSpPr/>
-              <p:nvPr/>
-            </p:nvSpPr>
-            <p:spPr>
-              <a:xfrm>
-                <a:off x="9099132" y="4230097"/>
-                <a:ext cx="2956713" cy="587597"/>
-              </a:xfrm>
-              <a:prstGeom prst="rect">
-                <a:avLst/>
-              </a:prstGeom>
-            </p:spPr>
-            <p:txBody>
-              <a:bodyPr wrap="square">
-                <a:spAutoFit/>
-              </a:bodyPr>
-              <a:lstStyle/>
-              <a:p>
-                <a:pPr/>
-                <a14:m>
-                  <m:oMathPara xmlns:m="http://schemas.openxmlformats.org/officeDocument/2006/math">
-                    <m:oMathParaPr>
-                      <m:jc m:val="left"/>
-                    </m:oMathParaPr>
-                    <m:oMath xmlns:m="http://schemas.openxmlformats.org/officeDocument/2006/math">
-                      <m:r>
-                        <a:rPr lang="en-US" sz="1600" i="1" smtClean="0">
-                          <a:latin typeface="Cambria Math" panose="02040503050406030204" pitchFamily="18" charset="0"/>
-                        </a:rPr>
-                        <m:t>𝐸𝑓𝑓𝑜𝑟𝑡</m:t>
-                      </m:r>
-                      <m:r>
-                        <a:rPr lang="en-US" sz="1600" i="0">
-                          <a:latin typeface="Cambria Math" panose="02040503050406030204" pitchFamily="18" charset="0"/>
-                        </a:rPr>
-                        <m:t>=3.2∗1.10∗</m:t>
-                      </m:r>
-                      <m:sSup>
-                        <m:sSupPr>
-                          <m:ctrlPr>
-                            <a:rPr lang="en-US" sz="1600" i="1">
-                              <a:latin typeface="Cambria Math" panose="02040503050406030204" pitchFamily="18" charset="0"/>
-                            </a:rPr>
-                          </m:ctrlPr>
-                        </m:sSupPr>
-                        <m:e>
-                          <m:r>
-                            <a:rPr lang="en-US" sz="1600" i="0">
-                              <a:latin typeface="Cambria Math" panose="02040503050406030204" pitchFamily="18" charset="0"/>
-                            </a:rPr>
-                            <m:t>2</m:t>
-                          </m:r>
-                        </m:e>
-                        <m:sup>
-                          <m:r>
-                            <a:rPr lang="en-US" sz="1600" i="0">
-                              <a:latin typeface="Cambria Math" panose="02040503050406030204" pitchFamily="18" charset="0"/>
-                            </a:rPr>
-                            <m:t>1.05</m:t>
-                          </m:r>
-                        </m:sup>
-                      </m:sSup>
-                      <m:r>
-                        <a:rPr lang="en-US" sz="1600" i="0">
-                          <a:latin typeface="Cambria Math" panose="02040503050406030204" pitchFamily="18" charset="0"/>
-                        </a:rPr>
-                        <m:t>=7.29 </m:t>
-                      </m:r>
-                      <m:r>
-                        <a:rPr lang="en-US" sz="1600" i="1">
-                          <a:latin typeface="Cambria Math" panose="02040503050406030204" pitchFamily="18" charset="0"/>
-                        </a:rPr>
-                        <m:t>𝑠𝑡𝑎𝑓𝑓</m:t>
-                      </m:r>
-                      <m:r>
-                        <a:rPr lang="en-US" sz="1600" i="0">
-                          <a:latin typeface="Cambria Math" panose="02040503050406030204" pitchFamily="18" charset="0"/>
-                        </a:rPr>
-                        <m:t>−</m:t>
-                      </m:r>
-                      <m:r>
-                        <a:rPr lang="en-US" sz="1600" i="1">
-                          <a:latin typeface="Cambria Math" panose="02040503050406030204" pitchFamily="18" charset="0"/>
-                        </a:rPr>
-                        <m:t>𝑚𝑜𝑛𝑡h𝑠</m:t>
-                      </m:r>
-                    </m:oMath>
-                  </m:oMathPara>
-                </a14:m>
-                <a:endParaRPr lang="en-US" sz="1600" dirty="0"/>
-              </a:p>
-            </p:txBody>
-          </p:sp>
-        </mc:Choice>
-        <mc:Fallback xmlns="">
-          <p:sp>
-            <p:nvSpPr>
-              <p:cNvPr id="6" name="Rectangle 5"/>
-              <p:cNvSpPr>
-                <a:spLocks noRot="1" noChangeAspect="1" noMove="1" noResize="1" noEditPoints="1" noAdjustHandles="1" noChangeArrowheads="1" noChangeShapeType="1" noTextEdit="1"/>
-              </p:cNvSpPr>
-              <p:nvPr/>
-            </p:nvSpPr>
-            <p:spPr>
-              <a:xfrm>
-                <a:off x="9099132" y="4230097"/>
-                <a:ext cx="2956713" cy="587597"/>
-              </a:xfrm>
-              <a:prstGeom prst="rect">
-                <a:avLst/>
-              </a:prstGeom>
-              <a:blipFill>
-                <a:blip r:embed="rId4"/>
-                <a:stretch>
-                  <a:fillRect l="-206" b="-7292"/>
-                </a:stretch>
-              </a:blipFill>
-            </p:spPr>
-            <p:txBody>
-              <a:bodyPr/>
-              <a:lstStyle/>
-              <a:p>
-                <a:r>
-                  <a:rPr lang="en-US">
-                    <a:noFill/>
-                  </a:rPr>
-                  <a:t> </a:t>
-                </a:r>
-              </a:p>
-            </p:txBody>
-          </p:sp>
-        </mc:Fallback>
-      </mc:AlternateContent>
-      <mc:AlternateContent xmlns:mc="http://schemas.openxmlformats.org/markup-compatibility/2006" xmlns:a14="http://schemas.microsoft.com/office/drawing/2010/main">
-        <mc:Choice Requires="a14">
-          <p:sp>
-            <p:nvSpPr>
-              <p:cNvPr id="7" name="Rectangle 6"/>
-              <p:cNvSpPr/>
-              <p:nvPr/>
-            </p:nvSpPr>
-            <p:spPr>
-              <a:xfrm>
-                <a:off x="9099133" y="5065186"/>
-                <a:ext cx="2956713" cy="645498"/>
-              </a:xfrm>
-              <a:prstGeom prst="rect">
-                <a:avLst/>
-              </a:prstGeom>
-            </p:spPr>
-            <p:txBody>
-              <a:bodyPr wrap="square">
-                <a:spAutoFit/>
-              </a:bodyPr>
-              <a:lstStyle/>
-              <a:p>
-                <a:pPr/>
-                <a14:m>
-                  <m:oMathPara xmlns:m="http://schemas.openxmlformats.org/officeDocument/2006/math">
-                    <m:oMathParaPr>
-                      <m:jc m:val="left"/>
-                    </m:oMathParaPr>
-                    <m:oMath xmlns:m="http://schemas.openxmlformats.org/officeDocument/2006/math">
-                      <m:r>
-                        <a:rPr lang="en-US" i="1">
-                          <a:latin typeface="Cambria Math" panose="02040503050406030204" pitchFamily="18" charset="0"/>
-                        </a:rPr>
-                        <m:t>𝑇𝑖𝑚𝑒</m:t>
-                      </m:r>
-                      <m:r>
-                        <a:rPr lang="en-US" i="0">
-                          <a:latin typeface="Cambria Math" panose="02040503050406030204" pitchFamily="18" charset="0"/>
-                        </a:rPr>
-                        <m:t>=2.5∗</m:t>
-                      </m:r>
-                      <m:sSup>
-                        <m:sSupPr>
-                          <m:ctrlPr>
-                            <a:rPr lang="en-US" i="1">
-                              <a:latin typeface="Cambria Math" panose="02040503050406030204" pitchFamily="18" charset="0"/>
-                            </a:rPr>
-                          </m:ctrlPr>
-                        </m:sSupPr>
-                        <m:e>
-                          <m:r>
-                            <a:rPr lang="en-US" i="0">
-                              <a:latin typeface="Cambria Math" panose="02040503050406030204" pitchFamily="18" charset="0"/>
-                            </a:rPr>
-                            <m:t>7.29</m:t>
-                          </m:r>
-                        </m:e>
-                        <m:sup>
-                          <m:r>
-                            <a:rPr lang="en-US" i="0">
-                              <a:latin typeface="Cambria Math" panose="02040503050406030204" pitchFamily="18" charset="0"/>
-                            </a:rPr>
-                            <m:t>0.38</m:t>
-                          </m:r>
-                        </m:sup>
-                      </m:sSup>
-                      <m:r>
-                        <a:rPr lang="en-US" i="0">
-                          <a:latin typeface="Cambria Math" panose="02040503050406030204" pitchFamily="18" charset="0"/>
-                        </a:rPr>
-                        <m:t>=5.32 </m:t>
-                      </m:r>
-                      <m:r>
-                        <a:rPr lang="en-US" i="1">
-                          <a:latin typeface="Cambria Math" panose="02040503050406030204" pitchFamily="18" charset="0"/>
-                        </a:rPr>
-                        <m:t>𝑚𝑜𝑛𝑡h𝑠</m:t>
-                      </m:r>
-                    </m:oMath>
-                  </m:oMathPara>
-                </a14:m>
-                <a:endParaRPr lang="en-US" dirty="0"/>
-              </a:p>
-            </p:txBody>
-          </p:sp>
-        </mc:Choice>
-        <mc:Fallback xmlns="">
-          <p:sp>
-            <p:nvSpPr>
-              <p:cNvPr id="7" name="Rectangle 6"/>
-              <p:cNvSpPr>
-                <a:spLocks noRot="1" noChangeAspect="1" noMove="1" noResize="1" noEditPoints="1" noAdjustHandles="1" noChangeArrowheads="1" noChangeShapeType="1" noTextEdit="1"/>
-              </p:cNvSpPr>
-              <p:nvPr/>
-            </p:nvSpPr>
-            <p:spPr>
-              <a:xfrm>
-                <a:off x="9099133" y="5065186"/>
-                <a:ext cx="2956713" cy="645498"/>
-              </a:xfrm>
-              <a:prstGeom prst="rect">
-                <a:avLst/>
-              </a:prstGeom>
-              <a:blipFill>
-                <a:blip r:embed="rId5"/>
-                <a:stretch>
-                  <a:fillRect/>
-                </a:stretch>
-              </a:blipFill>
-            </p:spPr>
-            <p:txBody>
-              <a:bodyPr/>
-              <a:lstStyle/>
-              <a:p>
-                <a:r>
-                  <a:rPr lang="en-US">
-                    <a:noFill/>
-                  </a:rPr>
-                  <a:t> </a:t>
-                </a:r>
-              </a:p>
-            </p:txBody>
-          </p:sp>
-        </mc:Fallback>
-      </mc:AlternateContent>
-      <p:sp>
-        <p:nvSpPr>
-          <p:cNvPr id="8" name="TextBox 7"/>
-          <p:cNvSpPr txBox="1"/>
-          <p:nvPr/>
-        </p:nvSpPr>
-        <p:spPr>
-          <a:xfrm>
-            <a:off x="642257" y="2770698"/>
-            <a:ext cx="2020105" cy="369332"/>
-          </a:xfrm>
-          <a:prstGeom prst="rect">
-            <a:avLst/>
-          </a:prstGeom>
-          <a:noFill/>
-        </p:spPr>
-        <p:txBody>
-          <a:bodyPr wrap="none" rtlCol="0">
-            <a:spAutoFit/>
-          </a:bodyPr>
-          <a:lstStyle/>
-          <a:p>
-            <a:r>
-              <a:rPr lang="en-US" dirty="0"/>
-              <a:t>Using COCOMO</a:t>
-            </a:r>
-          </a:p>
-        </p:txBody>
-      </p:sp>
-    </p:spTree>
-    <p:extLst>
-      <p:ext uri="{BB962C8B-B14F-4D97-AF65-F5344CB8AC3E}">
-        <p14:creationId xmlns:p14="http://schemas.microsoft.com/office/powerpoint/2010/main" val="3106665628"/>
-      </p:ext>
-    </p:extLst>
-  </p:cSld>
-  <p:clrMapOvr>
-    <a:masterClrMapping/>
-  </p:clrMapOvr>
-</p:sld>
-</file>
-
 <file path=ppt/slides/slide3.xml><?xml version="1.0" encoding="utf-8"?>
 <p:sld xmlns:a="http://schemas.openxmlformats.org/drawingml/2006/main" xmlns:r="http://schemas.openxmlformats.org/officeDocument/2006/relationships" xmlns:p="http://schemas.openxmlformats.org/presentationml/2006/main">
   <p:cSld>
@@ -19347,505 +18240,6 @@
     <p:extLst>
       <p:ext uri="{BB962C8B-B14F-4D97-AF65-F5344CB8AC3E}">
         <p14:creationId xmlns:p14="http://schemas.microsoft.com/office/powerpoint/2010/main" val="759710578"/>
-      </p:ext>
-    </p:extLst>
-  </p:cSld>
-  <p:clrMapOvr>
-    <a:masterClrMapping/>
-  </p:clrMapOvr>
-</p:sld>
-</file>
-
-<file path=ppt/slides/slide30.xml><?xml version="1.0" encoding="utf-8"?>
-<p:sld xmlns:a="http://schemas.openxmlformats.org/drawingml/2006/main" xmlns:r="http://schemas.openxmlformats.org/officeDocument/2006/relationships" xmlns:p="http://schemas.openxmlformats.org/presentationml/2006/main">
-  <p:cSld>
-    <p:spTree>
-      <p:nvGrpSpPr>
-        <p:cNvPr id="1" name=""/>
-        <p:cNvGrpSpPr/>
-        <p:nvPr/>
-      </p:nvGrpSpPr>
-      <p:grpSpPr>
-        <a:xfrm>
-          <a:off x="0" y="0"/>
-          <a:ext cx="0" cy="0"/>
-          <a:chOff x="0" y="0"/>
-          <a:chExt cx="0" cy="0"/>
-        </a:xfrm>
-      </p:grpSpPr>
-      <p:sp>
-        <p:nvSpPr>
-          <p:cNvPr id="2" name="Title 1"/>
-          <p:cNvSpPr>
-            <a:spLocks noGrp="1"/>
-          </p:cNvSpPr>
-          <p:nvPr>
-            <p:ph type="title"/>
-          </p:nvPr>
-        </p:nvSpPr>
-        <p:spPr/>
-        <p:txBody>
-          <a:bodyPr/>
-          <a:lstStyle/>
-          <a:p>
-            <a:r>
-              <a:rPr lang="en-US" dirty="0"/>
-              <a:t>Architecture Elaboration Plan</a:t>
-            </a:r>
-          </a:p>
-        </p:txBody>
-      </p:sp>
-      <p:sp>
-        <p:nvSpPr>
-          <p:cNvPr id="3" name="Content Placeholder 2"/>
-          <p:cNvSpPr>
-            <a:spLocks noGrp="1"/>
-          </p:cNvSpPr>
-          <p:nvPr>
-            <p:ph idx="1"/>
-          </p:nvPr>
-        </p:nvSpPr>
-        <p:spPr/>
-        <p:txBody>
-          <a:bodyPr/>
-          <a:lstStyle/>
-          <a:p>
-            <a:r>
-              <a:rPr lang="en-US" dirty="0"/>
-              <a:t>Revise Vision Document</a:t>
-            </a:r>
-          </a:p>
-          <a:p>
-            <a:r>
-              <a:rPr lang="en-US" dirty="0"/>
-              <a:t>Revise Project Plan</a:t>
-            </a:r>
-          </a:p>
-          <a:p>
-            <a:r>
-              <a:rPr lang="en-US" dirty="0"/>
-              <a:t>Create Formal Specification</a:t>
-            </a:r>
-          </a:p>
-          <a:p>
-            <a:r>
-              <a:rPr lang="en-US" dirty="0"/>
-              <a:t>Create Architectural Design</a:t>
-            </a:r>
-          </a:p>
-          <a:p>
-            <a:r>
-              <a:rPr lang="en-US" dirty="0"/>
-              <a:t>Create Test Plan</a:t>
-            </a:r>
-          </a:p>
-          <a:p>
-            <a:r>
-              <a:rPr lang="en-US" dirty="0"/>
-              <a:t>Conduct Technical Inspection</a:t>
-            </a:r>
-          </a:p>
-          <a:p>
-            <a:r>
-              <a:rPr lang="en-US" dirty="0"/>
-              <a:t>Create Executable Architecture Prototype</a:t>
-            </a:r>
-          </a:p>
-        </p:txBody>
-      </p:sp>
-    </p:spTree>
-    <p:extLst>
-      <p:ext uri="{BB962C8B-B14F-4D97-AF65-F5344CB8AC3E}">
-        <p14:creationId xmlns:p14="http://schemas.microsoft.com/office/powerpoint/2010/main" val="2987746096"/>
-      </p:ext>
-    </p:extLst>
-  </p:cSld>
-  <p:clrMapOvr>
-    <a:masterClrMapping/>
-  </p:clrMapOvr>
-</p:sld>
-</file>
-
-<file path=ppt/slides/slide31.xml><?xml version="1.0" encoding="utf-8"?>
-<p:sld xmlns:a="http://schemas.openxmlformats.org/drawingml/2006/main" xmlns:r="http://schemas.openxmlformats.org/officeDocument/2006/relationships" xmlns:p="http://schemas.openxmlformats.org/presentationml/2006/main">
-  <p:cSld>
-    <p:spTree>
-      <p:nvGrpSpPr>
-        <p:cNvPr id="1" name=""/>
-        <p:cNvGrpSpPr/>
-        <p:nvPr/>
-      </p:nvGrpSpPr>
-      <p:grpSpPr>
-        <a:xfrm>
-          <a:off x="0" y="0"/>
-          <a:ext cx="0" cy="0"/>
-          <a:chOff x="0" y="0"/>
-          <a:chExt cx="0" cy="0"/>
-        </a:xfrm>
-      </p:grpSpPr>
-      <p:sp>
-        <p:nvSpPr>
-          <p:cNvPr id="2" name="Title 1"/>
-          <p:cNvSpPr>
-            <a:spLocks noGrp="1"/>
-          </p:cNvSpPr>
-          <p:nvPr>
-            <p:ph type="title"/>
-          </p:nvPr>
-        </p:nvSpPr>
-        <p:spPr/>
-        <p:txBody>
-          <a:bodyPr/>
-          <a:lstStyle/>
-          <a:p>
-            <a:r>
-              <a:rPr lang="en-US" dirty="0"/>
-              <a:t>Software Quality Assurance Plan</a:t>
-            </a:r>
-          </a:p>
-        </p:txBody>
-      </p:sp>
-      <p:sp>
-        <p:nvSpPr>
-          <p:cNvPr id="3" name="Content Placeholder 2"/>
-          <p:cNvSpPr>
-            <a:spLocks noGrp="1"/>
-          </p:cNvSpPr>
-          <p:nvPr>
-            <p:ph idx="1"/>
-          </p:nvPr>
-        </p:nvSpPr>
-        <p:spPr>
-          <a:xfrm>
-            <a:off x="1154955" y="2603499"/>
-            <a:ext cx="8761412" cy="4059693"/>
-          </a:xfrm>
-        </p:spPr>
-        <p:txBody>
-          <a:bodyPr>
-            <a:normAutofit/>
-          </a:bodyPr>
-          <a:lstStyle/>
-          <a:p>
-            <a:r>
-              <a:rPr lang="en-US" dirty="0"/>
-              <a:t>Management</a:t>
-            </a:r>
-          </a:p>
-          <a:p>
-            <a:r>
-              <a:rPr lang="en-US" dirty="0"/>
-              <a:t>Documentation</a:t>
-            </a:r>
-          </a:p>
-          <a:p>
-            <a:r>
-              <a:rPr lang="en-US" dirty="0"/>
-              <a:t>Standards, Practices, Conventions, and Metrics</a:t>
-            </a:r>
-          </a:p>
-          <a:p>
-            <a:r>
-              <a:rPr lang="en-US" dirty="0"/>
-              <a:t>Software Reviews</a:t>
-            </a:r>
-          </a:p>
-          <a:p>
-            <a:r>
-              <a:rPr lang="en-US" dirty="0"/>
-              <a:t>Testing</a:t>
-            </a:r>
-          </a:p>
-          <a:p>
-            <a:r>
-              <a:rPr lang="en-US" dirty="0"/>
-              <a:t>Problem Reporting</a:t>
-            </a:r>
-          </a:p>
-          <a:p>
-            <a:r>
-              <a:rPr lang="en-US" dirty="0"/>
-              <a:t>Tools, Techniques, and Methodologies</a:t>
-            </a:r>
-          </a:p>
-          <a:p>
-            <a:r>
-              <a:rPr lang="en-US" dirty="0"/>
-              <a:t>Media Control</a:t>
-            </a:r>
-          </a:p>
-          <a:p>
-            <a:r>
-              <a:rPr lang="en-US" dirty="0"/>
-              <a:t>Risk Management</a:t>
-            </a:r>
-          </a:p>
-        </p:txBody>
-      </p:sp>
-    </p:spTree>
-    <p:extLst>
-      <p:ext uri="{BB962C8B-B14F-4D97-AF65-F5344CB8AC3E}">
-        <p14:creationId xmlns:p14="http://schemas.microsoft.com/office/powerpoint/2010/main" val="898845108"/>
-      </p:ext>
-    </p:extLst>
-  </p:cSld>
-  <p:clrMapOvr>
-    <a:masterClrMapping/>
-  </p:clrMapOvr>
-</p:sld>
-</file>
-
-<file path=ppt/slides/slide32.xml><?xml version="1.0" encoding="utf-8"?>
-<p:sld xmlns:a="http://schemas.openxmlformats.org/drawingml/2006/main" xmlns:r="http://schemas.openxmlformats.org/officeDocument/2006/relationships" xmlns:p="http://schemas.openxmlformats.org/presentationml/2006/main">
-  <p:cSld>
-    <p:spTree>
-      <p:nvGrpSpPr>
-        <p:cNvPr id="1" name=""/>
-        <p:cNvGrpSpPr/>
-        <p:nvPr/>
-      </p:nvGrpSpPr>
-      <p:grpSpPr>
-        <a:xfrm>
-          <a:off x="0" y="0"/>
-          <a:ext cx="0" cy="0"/>
-          <a:chOff x="0" y="0"/>
-          <a:chExt cx="0" cy="0"/>
-        </a:xfrm>
-      </p:grpSpPr>
-      <p:sp>
-        <p:nvSpPr>
-          <p:cNvPr id="2" name="Title 1"/>
-          <p:cNvSpPr>
-            <a:spLocks noGrp="1"/>
-          </p:cNvSpPr>
-          <p:nvPr>
-            <p:ph type="title"/>
-          </p:nvPr>
-        </p:nvSpPr>
-        <p:spPr/>
-        <p:txBody>
-          <a:bodyPr/>
-          <a:lstStyle/>
-          <a:p>
-            <a:r>
-              <a:rPr lang="en-US" dirty="0"/>
-              <a:t>Risks</a:t>
-            </a:r>
-          </a:p>
-        </p:txBody>
-      </p:sp>
-      <p:sp>
-        <p:nvSpPr>
-          <p:cNvPr id="3" name="Content Placeholder 2"/>
-          <p:cNvSpPr>
-            <a:spLocks noGrp="1"/>
-          </p:cNvSpPr>
-          <p:nvPr>
-            <p:ph idx="1"/>
-          </p:nvPr>
-        </p:nvSpPr>
-        <p:spPr/>
-        <p:txBody>
-          <a:bodyPr/>
-          <a:lstStyle/>
-          <a:p>
-            <a:r>
-              <a:rPr lang="en-US" dirty="0"/>
-              <a:t>Demand on server is not well understood</a:t>
-            </a:r>
-          </a:p>
-          <a:p>
-            <a:r>
-              <a:rPr lang="en-US" dirty="0"/>
-              <a:t>Performance of Raspberry Pi isn’t full realized</a:t>
-            </a:r>
-          </a:p>
-          <a:p>
-            <a:r>
-              <a:rPr lang="en-US" dirty="0"/>
-              <a:t>Authentication and Encryption mechanism is not fully determined</a:t>
-            </a:r>
-          </a:p>
-        </p:txBody>
-      </p:sp>
-    </p:spTree>
-    <p:extLst>
-      <p:ext uri="{BB962C8B-B14F-4D97-AF65-F5344CB8AC3E}">
-        <p14:creationId xmlns:p14="http://schemas.microsoft.com/office/powerpoint/2010/main" val="3517704162"/>
-      </p:ext>
-    </p:extLst>
-  </p:cSld>
-  <p:clrMapOvr>
-    <a:masterClrMapping/>
-  </p:clrMapOvr>
-</p:sld>
-</file>
-
-<file path=ppt/slides/slide33.xml><?xml version="1.0" encoding="utf-8"?>
-<p:sld xmlns:a="http://schemas.openxmlformats.org/drawingml/2006/main" xmlns:r="http://schemas.openxmlformats.org/officeDocument/2006/relationships" xmlns:p="http://schemas.openxmlformats.org/presentationml/2006/main">
-  <p:cSld>
-    <p:spTree>
-      <p:nvGrpSpPr>
-        <p:cNvPr id="1" name=""/>
-        <p:cNvGrpSpPr/>
-        <p:nvPr/>
-      </p:nvGrpSpPr>
-      <p:grpSpPr>
-        <a:xfrm>
-          <a:off x="0" y="0"/>
-          <a:ext cx="0" cy="0"/>
-          <a:chOff x="0" y="0"/>
-          <a:chExt cx="0" cy="0"/>
-        </a:xfrm>
-      </p:grpSpPr>
-      <p:sp>
-        <p:nvSpPr>
-          <p:cNvPr id="2" name="Title 1"/>
-          <p:cNvSpPr>
-            <a:spLocks noGrp="1"/>
-          </p:cNvSpPr>
-          <p:nvPr>
-            <p:ph type="title"/>
-          </p:nvPr>
-        </p:nvSpPr>
-        <p:spPr/>
-        <p:txBody>
-          <a:bodyPr/>
-          <a:lstStyle/>
-          <a:p>
-            <a:r>
-              <a:rPr lang="en-US" dirty="0"/>
-              <a:t>Alpha Prototype Demonstration</a:t>
-            </a:r>
-          </a:p>
-        </p:txBody>
-      </p:sp>
-      <p:sp>
-        <p:nvSpPr>
-          <p:cNvPr id="3" name="Content Placeholder 2"/>
-          <p:cNvSpPr>
-            <a:spLocks noGrp="1"/>
-          </p:cNvSpPr>
-          <p:nvPr>
-            <p:ph idx="1"/>
-          </p:nvPr>
-        </p:nvSpPr>
-        <p:spPr/>
-        <p:txBody>
-          <a:bodyPr/>
-          <a:lstStyle/>
-          <a:p>
-            <a:r>
-              <a:rPr lang="en-US" dirty="0"/>
-              <a:t>GitHub Repository Location:</a:t>
-            </a:r>
-          </a:p>
-          <a:p>
-            <a:pPr lvl="1"/>
-            <a:r>
-              <a:rPr lang="en-US" dirty="0">
-                <a:hlinkClick r:id="rId2"/>
-              </a:rPr>
-              <a:t>https://github.com/ttmarshall12/KSUMSE</a:t>
-            </a:r>
-            <a:endParaRPr lang="en-US" dirty="0"/>
-          </a:p>
-          <a:p>
-            <a:r>
-              <a:rPr lang="en-US" dirty="0"/>
-              <a:t>Worked on server/client communication</a:t>
-            </a:r>
-          </a:p>
-          <a:p>
-            <a:r>
-              <a:rPr lang="en-US" dirty="0"/>
-              <a:t>Explored encryption and authentication models to mitigate risk into development</a:t>
-            </a:r>
-          </a:p>
-          <a:p>
-            <a:r>
-              <a:rPr lang="en-US" dirty="0"/>
-              <a:t>Able to encrypt and authenticate data sent between server and client</a:t>
-            </a:r>
-          </a:p>
-        </p:txBody>
-      </p:sp>
-    </p:spTree>
-    <p:extLst>
-      <p:ext uri="{BB962C8B-B14F-4D97-AF65-F5344CB8AC3E}">
-        <p14:creationId xmlns:p14="http://schemas.microsoft.com/office/powerpoint/2010/main" val="1394259555"/>
-      </p:ext>
-    </p:extLst>
-  </p:cSld>
-  <p:clrMapOvr>
-    <a:masterClrMapping/>
-  </p:clrMapOvr>
-</p:sld>
-</file>
-
-<file path=ppt/slides/slide34.xml><?xml version="1.0" encoding="utf-8"?>
-<p:sld xmlns:a="http://schemas.openxmlformats.org/drawingml/2006/main" xmlns:r="http://schemas.openxmlformats.org/officeDocument/2006/relationships" xmlns:p="http://schemas.openxmlformats.org/presentationml/2006/main">
-  <p:cSld>
-    <p:spTree>
-      <p:nvGrpSpPr>
-        <p:cNvPr id="1" name=""/>
-        <p:cNvGrpSpPr/>
-        <p:nvPr/>
-      </p:nvGrpSpPr>
-      <p:grpSpPr>
-        <a:xfrm>
-          <a:off x="0" y="0"/>
-          <a:ext cx="0" cy="0"/>
-          <a:chOff x="0" y="0"/>
-          <a:chExt cx="0" cy="0"/>
-        </a:xfrm>
-      </p:grpSpPr>
-      <p:sp>
-        <p:nvSpPr>
-          <p:cNvPr id="4" name="Title 3"/>
-          <p:cNvSpPr>
-            <a:spLocks noGrp="1"/>
-          </p:cNvSpPr>
-          <p:nvPr>
-            <p:ph type="title"/>
-          </p:nvPr>
-        </p:nvSpPr>
-        <p:spPr/>
-        <p:txBody>
-          <a:bodyPr/>
-          <a:lstStyle/>
-          <a:p>
-            <a:pPr algn="ctr"/>
-            <a:r>
-              <a:rPr lang="en-US" dirty="0"/>
-              <a:t>Questions and Comments</a:t>
-            </a:r>
-          </a:p>
-        </p:txBody>
-      </p:sp>
-      <p:sp>
-        <p:nvSpPr>
-          <p:cNvPr id="5" name="Text Placeholder 4"/>
-          <p:cNvSpPr>
-            <a:spLocks noGrp="1"/>
-          </p:cNvSpPr>
-          <p:nvPr>
-            <p:ph type="body" idx="1"/>
-          </p:nvPr>
-        </p:nvSpPr>
-        <p:spPr/>
-        <p:txBody>
-          <a:bodyPr/>
-          <a:lstStyle/>
-          <a:p>
-            <a:endParaRPr lang="en-US"/>
-          </a:p>
-        </p:txBody>
-      </p:sp>
-    </p:spTree>
-    <p:extLst>
-      <p:ext uri="{BB962C8B-B14F-4D97-AF65-F5344CB8AC3E}">
-        <p14:creationId xmlns:p14="http://schemas.microsoft.com/office/powerpoint/2010/main" val="3148483326"/>
       </p:ext>
     </p:extLst>
   </p:cSld>
